--- a/Презентация по дипломен проект.pptx
+++ b/Презентация по дипломен проект.pptx
@@ -8,14 +8,15 @@
     <p:sldId id="256" r:id="rId2"/>
     <p:sldId id="257" r:id="rId3"/>
     <p:sldId id="258" r:id="rId4"/>
-    <p:sldId id="259" r:id="rId5"/>
-    <p:sldId id="260" r:id="rId6"/>
-    <p:sldId id="261" r:id="rId7"/>
-    <p:sldId id="262" r:id="rId8"/>
-    <p:sldId id="263" r:id="rId9"/>
-    <p:sldId id="264" r:id="rId10"/>
-    <p:sldId id="265" r:id="rId11"/>
-    <p:sldId id="266" r:id="rId12"/>
+    <p:sldId id="267" r:id="rId5"/>
+    <p:sldId id="259" r:id="rId6"/>
+    <p:sldId id="260" r:id="rId7"/>
+    <p:sldId id="261" r:id="rId8"/>
+    <p:sldId id="262" r:id="rId9"/>
+    <p:sldId id="263" r:id="rId10"/>
+    <p:sldId id="264" r:id="rId11"/>
+    <p:sldId id="265" r:id="rId12"/>
+    <p:sldId id="266" r:id="rId13"/>
   </p:sldIdLst>
   <p:sldSz cx="12192000" cy="6858000"/>
   <p:notesSz cx="6858000" cy="9144000"/>
@@ -114,6 +115,11 @@
       </a:defRPr>
     </a:lvl9pPr>
   </p:defaultTextStyle>
+  <p:extLst>
+    <p:ext uri="{EFAFB233-063F-42B5-8137-9DF3F51BA10A}">
+      <p15:sldGuideLst xmlns:p15="http://schemas.microsoft.com/office/powerpoint/2012/main"/>
+    </p:ext>
+  </p:extLst>
 </p:presentation>
 </file>
 
@@ -4393,7 +4399,7 @@
           <a:p>
             <a:fld id="{8EE76B16-D9E5-418C-BC40-8EB403D0C43D}" type="datetimeFigureOut">
               <a:rPr lang="en-US" smtClean="0"/>
-              <a:t>5/20/2023</a:t>
+              <a:t>5/21/2023</a:t>
             </a:fld>
             <a:endParaRPr lang="en-US"/>
           </a:p>
@@ -4660,7 +4666,7 @@
           <a:p>
             <a:fld id="{8EE76B16-D9E5-418C-BC40-8EB403D0C43D}" type="datetimeFigureOut">
               <a:rPr lang="en-US" smtClean="0"/>
-              <a:t>5/20/2023</a:t>
+              <a:t>5/21/2023</a:t>
             </a:fld>
             <a:endParaRPr lang="en-US"/>
           </a:p>
@@ -4856,7 +4862,7 @@
           <a:p>
             <a:fld id="{8EE76B16-D9E5-418C-BC40-8EB403D0C43D}" type="datetimeFigureOut">
               <a:rPr lang="en-US" smtClean="0"/>
-              <a:t>5/20/2023</a:t>
+              <a:t>5/21/2023</a:t>
             </a:fld>
             <a:endParaRPr lang="en-US"/>
           </a:p>
@@ -5119,7 +5125,7 @@
           <a:p>
             <a:fld id="{8EE76B16-D9E5-418C-BC40-8EB403D0C43D}" type="datetimeFigureOut">
               <a:rPr lang="en-US" smtClean="0"/>
-              <a:t>5/20/2023</a:t>
+              <a:t>5/21/2023</a:t>
             </a:fld>
             <a:endParaRPr lang="en-US"/>
           </a:p>
@@ -5553,7 +5559,7 @@
           <a:p>
             <a:fld id="{8EE76B16-D9E5-418C-BC40-8EB403D0C43D}" type="datetimeFigureOut">
               <a:rPr lang="en-US" smtClean="0"/>
-              <a:t>5/20/2023</a:t>
+              <a:t>5/21/2023</a:t>
             </a:fld>
             <a:endParaRPr lang="en-US"/>
           </a:p>
@@ -6099,7 +6105,7 @@
           <a:p>
             <a:fld id="{8EE76B16-D9E5-418C-BC40-8EB403D0C43D}" type="datetimeFigureOut">
               <a:rPr lang="en-US" smtClean="0"/>
-              <a:t>5/20/2023</a:t>
+              <a:t>5/21/2023</a:t>
             </a:fld>
             <a:endParaRPr lang="en-US"/>
           </a:p>
@@ -6819,7 +6825,7 @@
           <a:p>
             <a:fld id="{8EE76B16-D9E5-418C-BC40-8EB403D0C43D}" type="datetimeFigureOut">
               <a:rPr lang="en-US" smtClean="0"/>
-              <a:t>5/20/2023</a:t>
+              <a:t>5/21/2023</a:t>
             </a:fld>
             <a:endParaRPr lang="en-US"/>
           </a:p>
@@ -6989,7 +6995,7 @@
           <a:p>
             <a:fld id="{8EE76B16-D9E5-418C-BC40-8EB403D0C43D}" type="datetimeFigureOut">
               <a:rPr lang="en-US" smtClean="0"/>
-              <a:t>5/20/2023</a:t>
+              <a:t>5/21/2023</a:t>
             </a:fld>
             <a:endParaRPr lang="en-US"/>
           </a:p>
@@ -7169,7 +7175,7 @@
           <a:p>
             <a:fld id="{8EE76B16-D9E5-418C-BC40-8EB403D0C43D}" type="datetimeFigureOut">
               <a:rPr lang="en-US" smtClean="0"/>
-              <a:t>5/20/2023</a:t>
+              <a:t>5/21/2023</a:t>
             </a:fld>
             <a:endParaRPr lang="en-US"/>
           </a:p>
@@ -7339,7 +7345,7 @@
           <a:p>
             <a:fld id="{8EE76B16-D9E5-418C-BC40-8EB403D0C43D}" type="datetimeFigureOut">
               <a:rPr lang="en-US" smtClean="0"/>
-              <a:t>5/20/2023</a:t>
+              <a:t>5/21/2023</a:t>
             </a:fld>
             <a:endParaRPr lang="en-US"/>
           </a:p>
@@ -7589,7 +7595,7 @@
           <a:p>
             <a:fld id="{8EE76B16-D9E5-418C-BC40-8EB403D0C43D}" type="datetimeFigureOut">
               <a:rPr lang="en-US" smtClean="0"/>
-              <a:t>5/20/2023</a:t>
+              <a:t>5/21/2023</a:t>
             </a:fld>
             <a:endParaRPr lang="en-US"/>
           </a:p>
@@ -7821,7 +7827,7 @@
           <a:p>
             <a:fld id="{8EE76B16-D9E5-418C-BC40-8EB403D0C43D}" type="datetimeFigureOut">
               <a:rPr lang="en-US" smtClean="0"/>
-              <a:t>5/20/2023</a:t>
+              <a:t>5/21/2023</a:t>
             </a:fld>
             <a:endParaRPr lang="en-US"/>
           </a:p>
@@ -8202,7 +8208,7 @@
           <a:p>
             <a:fld id="{8EE76B16-D9E5-418C-BC40-8EB403D0C43D}" type="datetimeFigureOut">
               <a:rPr lang="en-US" smtClean="0"/>
-              <a:t>5/20/2023</a:t>
+              <a:t>5/21/2023</a:t>
             </a:fld>
             <a:endParaRPr lang="en-US"/>
           </a:p>
@@ -8320,7 +8326,7 @@
           <a:p>
             <a:fld id="{8EE76B16-D9E5-418C-BC40-8EB403D0C43D}" type="datetimeFigureOut">
               <a:rPr lang="en-US" smtClean="0"/>
-              <a:t>5/20/2023</a:t>
+              <a:t>5/21/2023</a:t>
             </a:fld>
             <a:endParaRPr lang="en-US"/>
           </a:p>
@@ -8415,7 +8421,7 @@
           <a:p>
             <a:fld id="{8EE76B16-D9E5-418C-BC40-8EB403D0C43D}" type="datetimeFigureOut">
               <a:rPr lang="en-US" smtClean="0"/>
-              <a:t>5/20/2023</a:t>
+              <a:t>5/21/2023</a:t>
             </a:fld>
             <a:endParaRPr lang="en-US"/>
           </a:p>
@@ -8664,7 +8670,7 @@
           <a:p>
             <a:fld id="{8EE76B16-D9E5-418C-BC40-8EB403D0C43D}" type="datetimeFigureOut">
               <a:rPr lang="en-US" smtClean="0"/>
-              <a:t>5/20/2023</a:t>
+              <a:t>5/21/2023</a:t>
             </a:fld>
             <a:endParaRPr lang="en-US"/>
           </a:p>
@@ -8944,7 +8950,7 @@
           <a:p>
             <a:fld id="{8EE76B16-D9E5-418C-BC40-8EB403D0C43D}" type="datetimeFigureOut">
               <a:rPr lang="en-US" smtClean="0"/>
-              <a:t>5/20/2023</a:t>
+              <a:t>5/21/2023</a:t>
             </a:fld>
             <a:endParaRPr lang="en-US"/>
           </a:p>
@@ -12021,7 +12027,7 @@
           <a:p>
             <a:fld id="{8EE76B16-D9E5-418C-BC40-8EB403D0C43D}" type="datetimeFigureOut">
               <a:rPr lang="en-US" smtClean="0"/>
-              <a:t>5/20/2023</a:t>
+              <a:t>5/21/2023</a:t>
             </a:fld>
             <a:endParaRPr lang="en-US"/>
           </a:p>
@@ -12453,8 +12459,8 @@
         </p:nvSpPr>
         <p:spPr>
           <a:xfrm>
-            <a:off x="1667418" y="365759"/>
-            <a:ext cx="8791575" cy="2011680"/>
+            <a:off x="1662790" y="953589"/>
+            <a:ext cx="8791575" cy="1619793"/>
           </a:xfrm>
         </p:spPr>
         <p:txBody>
@@ -12541,8 +12547,8 @@
         </p:nvSpPr>
         <p:spPr>
           <a:xfrm>
-            <a:off x="1667418" y="3605348"/>
-            <a:ext cx="7698650" cy="523220"/>
+            <a:off x="1304925" y="3525185"/>
+            <a:ext cx="8791574" cy="523220"/>
           </a:xfrm>
           <a:prstGeom prst="rect">
             <a:avLst/>
@@ -12564,6 +12570,119 @@
           </a:p>
         </p:txBody>
       </p:sp>
+      <p:sp>
+        <p:nvSpPr>
+          <p:cNvPr id="3" name="TextBox 2"/>
+          <p:cNvSpPr txBox="1"/>
+          <p:nvPr/>
+        </p:nvSpPr>
+        <p:spPr>
+          <a:xfrm>
+            <a:off x="1662789" y="5352199"/>
+            <a:ext cx="8791575" cy="400110"/>
+          </a:xfrm>
+          <a:prstGeom prst="rect">
+            <a:avLst/>
+          </a:prstGeom>
+          <a:noFill/>
+        </p:spPr>
+        <p:txBody>
+          <a:bodyPr wrap="square" rtlCol="0">
+            <a:spAutoFit/>
+          </a:bodyPr>
+          <a:lstStyle/>
+          <a:p>
+            <a:pPr algn="ctr"/>
+            <a:r>
+              <a:rPr lang="bg-BG" sz="2000" dirty="0" smtClean="0"/>
+              <a:t>Ръководител-консултант: инж. Николай Христов</a:t>
+            </a:r>
+            <a:endParaRPr lang="en-US" sz="2000" dirty="0"/>
+          </a:p>
+        </p:txBody>
+      </p:sp>
+      <p:pic>
+        <p:nvPicPr>
+          <p:cNvPr id="1026" name="Picture 2" descr="6,730,400+ Estate Stock Photos, Pictures &amp; Royalty-Free Images - iStock |  Summer background, Summer fun, Summer beach"/>
+          <p:cNvPicPr>
+            <a:picLocks noChangeAspect="1" noChangeArrowheads="1"/>
+          </p:cNvPicPr>
+          <p:nvPr/>
+        </p:nvPicPr>
+        <p:blipFill>
+          <a:blip r:embed="rId2">
+            <a:extLst>
+              <a:ext uri="{28A0092B-C50C-407E-A947-70E740481C1C}">
+                <a14:useLocalDpi xmlns:a14="http://schemas.microsoft.com/office/drawing/2010/main" val="0"/>
+              </a:ext>
+            </a:extLst>
+          </a:blip>
+          <a:srcRect/>
+          <a:stretch>
+            <a:fillRect/>
+          </a:stretch>
+        </p:blipFill>
+        <p:spPr bwMode="auto">
+          <a:xfrm>
+            <a:off x="0" y="4585063"/>
+            <a:ext cx="3384700" cy="2272937"/>
+          </a:xfrm>
+          <a:prstGeom prst="rect">
+            <a:avLst/>
+          </a:prstGeom>
+          <a:noFill/>
+          <a:extLst>
+            <a:ext uri="{909E8E84-426E-40DD-AFC4-6F175D3DCCD1}">
+              <a14:hiddenFill xmlns:a14="http://schemas.microsoft.com/office/drawing/2010/main">
+                <a:solidFill>
+                  <a:srgbClr val="FFFFFF"/>
+                </a:solidFill>
+              </a14:hiddenFill>
+            </a:ext>
+          </a:extLst>
+        </p:spPr>
+      </p:pic>
+      <p:pic>
+        <p:nvPicPr>
+          <p:cNvPr id="1028" name="Picture 4" descr="10-acre East Bay estate can't find buyer, heads to auction"/>
+          <p:cNvPicPr>
+            <a:picLocks noChangeAspect="1" noChangeArrowheads="1"/>
+          </p:cNvPicPr>
+          <p:nvPr/>
+        </p:nvPicPr>
+        <p:blipFill>
+          <a:blip r:embed="rId3">
+            <a:extLst>
+              <a:ext uri="{28A0092B-C50C-407E-A947-70E740481C1C}">
+                <a14:useLocalDpi xmlns:a14="http://schemas.microsoft.com/office/drawing/2010/main" val="0"/>
+              </a:ext>
+            </a:extLst>
+          </a:blip>
+          <a:srcRect/>
+          <a:stretch>
+            <a:fillRect/>
+          </a:stretch>
+        </p:blipFill>
+        <p:spPr bwMode="auto">
+          <a:xfrm>
+            <a:off x="8776387" y="4585063"/>
+            <a:ext cx="3415614" cy="2272937"/>
+          </a:xfrm>
+          <a:prstGeom prst="rect">
+            <a:avLst/>
+          </a:prstGeom>
+          <a:noFill/>
+          <a:extLst>
+            <a:ext uri="{909E8E84-426E-40DD-AFC4-6F175D3DCCD1}">
+              <a14:hiddenFill xmlns:a14="http://schemas.microsoft.com/office/drawing/2010/main">
+                <a:solidFill>
+                  <a:srgbClr val="FFFFFF"/>
+                </a:solidFill>
+              </a14:hiddenFill>
+            </a:ext>
+          </a:extLst>
+        </p:spPr>
+      </p:pic>
     </p:spTree>
     <p:extLst>
       <p:ext uri="{BB962C8B-B14F-4D97-AF65-F5344CB8AC3E}">
@@ -12613,6 +12732,205 @@
         </p:nvSpPr>
         <p:spPr>
           <a:xfrm>
+            <a:off x="501333" y="446813"/>
+            <a:ext cx="2841534" cy="2296387"/>
+          </a:xfrm>
+        </p:spPr>
+        <p:txBody>
+          <a:bodyPr>
+            <a:normAutofit fontScale="92500"/>
+          </a:bodyPr>
+          <a:lstStyle/>
+          <a:p>
+            <a:pPr marL="0" indent="0">
+              <a:buNone/>
+            </a:pPr>
+            <a:r>
+              <a:rPr lang="bg-BG" dirty="0" smtClean="0"/>
+              <a:t>В папките </a:t>
+            </a:r>
+            <a:r>
+              <a:rPr lang="en-US" dirty="0" smtClean="0"/>
+              <a:t>DTO </a:t>
+            </a:r>
+            <a:r>
+              <a:rPr lang="bg-BG" dirty="0" smtClean="0"/>
+              <a:t>и </a:t>
+            </a:r>
+            <a:r>
+              <a:rPr lang="en-US" dirty="0" smtClean="0"/>
+              <a:t>Models </a:t>
+            </a:r>
+            <a:r>
+              <a:rPr lang="bg-BG" dirty="0" smtClean="0"/>
+              <a:t>се съдържат всички </a:t>
+            </a:r>
+            <a:r>
+              <a:rPr lang="en-US" dirty="0" smtClean="0"/>
+              <a:t>input </a:t>
+            </a:r>
+            <a:r>
+              <a:rPr lang="bg-BG" dirty="0" smtClean="0"/>
+              <a:t>модели,които </a:t>
+            </a:r>
+          </a:p>
+          <a:p>
+            <a:pPr marL="0" indent="0">
+              <a:buNone/>
+            </a:pPr>
+            <a:r>
+              <a:rPr lang="bg-BG" dirty="0"/>
+              <a:t>с</a:t>
+            </a:r>
+            <a:r>
+              <a:rPr lang="bg-BG" dirty="0" smtClean="0"/>
+              <a:t>лужат за попълване</a:t>
+            </a:r>
+            <a:endParaRPr lang="en-US" dirty="0"/>
+          </a:p>
+        </p:txBody>
+      </p:sp>
+      <p:pic>
+        <p:nvPicPr>
+          <p:cNvPr id="4" name="Picture 3"/>
+          <p:cNvPicPr>
+            <a:picLocks noChangeAspect="1"/>
+          </p:cNvPicPr>
+          <p:nvPr/>
+        </p:nvPicPr>
+        <p:blipFill>
+          <a:blip r:embed="rId2"/>
+          <a:stretch>
+            <a:fillRect/>
+          </a:stretch>
+        </p:blipFill>
+        <p:spPr>
+          <a:xfrm>
+            <a:off x="331516" y="3435532"/>
+            <a:ext cx="4253401" cy="2925264"/>
+          </a:xfrm>
+          <a:prstGeom prst="rect">
+            <a:avLst/>
+          </a:prstGeom>
+        </p:spPr>
+      </p:pic>
+      <p:sp>
+        <p:nvSpPr>
+          <p:cNvPr id="5" name="TextBox 4"/>
+          <p:cNvSpPr txBox="1"/>
+          <p:nvPr/>
+        </p:nvSpPr>
+        <p:spPr>
+          <a:xfrm>
+            <a:off x="6923314" y="705394"/>
+            <a:ext cx="4506686" cy="646331"/>
+          </a:xfrm>
+          <a:prstGeom prst="rect">
+            <a:avLst/>
+          </a:prstGeom>
+          <a:noFill/>
+        </p:spPr>
+        <p:txBody>
+          <a:bodyPr wrap="square" rtlCol="0">
+            <a:spAutoFit/>
+          </a:bodyPr>
+          <a:lstStyle/>
+          <a:p>
+            <a:r>
+              <a:rPr lang="bg-BG" dirty="0" smtClean="0"/>
+              <a:t>В папка</a:t>
+            </a:r>
+            <a:r>
+              <a:rPr lang="en-US" dirty="0" smtClean="0"/>
+              <a:t> Helpers </a:t>
+            </a:r>
+            <a:r>
+              <a:rPr lang="bg-BG" dirty="0" smtClean="0"/>
+              <a:t>се съдържат помщните</a:t>
+            </a:r>
+          </a:p>
+          <a:p>
+            <a:r>
+              <a:rPr lang="bg-BG" dirty="0" smtClean="0"/>
+              <a:t>променливи</a:t>
+            </a:r>
+            <a:endParaRPr lang="en-US" dirty="0"/>
+          </a:p>
+        </p:txBody>
+      </p:sp>
+      <p:pic>
+        <p:nvPicPr>
+          <p:cNvPr id="7" name="Picture 6"/>
+          <p:cNvPicPr>
+            <a:picLocks noChangeAspect="1"/>
+          </p:cNvPicPr>
+          <p:nvPr/>
+        </p:nvPicPr>
+        <p:blipFill>
+          <a:blip r:embed="rId3"/>
+          <a:stretch>
+            <a:fillRect/>
+          </a:stretch>
+        </p:blipFill>
+        <p:spPr>
+          <a:xfrm>
+            <a:off x="7321596" y="2330223"/>
+            <a:ext cx="2527799" cy="1105309"/>
+          </a:xfrm>
+          <a:prstGeom prst="rect">
+            <a:avLst/>
+          </a:prstGeom>
+        </p:spPr>
+      </p:pic>
+    </p:spTree>
+    <p:extLst>
+      <p:ext uri="{BB962C8B-B14F-4D97-AF65-F5344CB8AC3E}">
+        <p14:creationId xmlns:p14="http://schemas.microsoft.com/office/powerpoint/2010/main" val="4087550228"/>
+      </p:ext>
+    </p:extLst>
+  </p:cSld>
+  <p:clrMapOvr>
+    <a:masterClrMapping/>
+  </p:clrMapOvr>
+  <p:timing>
+    <p:tnLst>
+      <p:par>
+        <p:cTn id="1" dur="indefinite" restart="never" nodeType="tmRoot"/>
+      </p:par>
+    </p:tnLst>
+  </p:timing>
+</p:sld>
+</file>
+
+<file path=ppt/slides/slide11.xml><?xml version="1.0" encoding="utf-8"?>
+<p:sld xmlns:a="http://schemas.openxmlformats.org/drawingml/2006/main" xmlns:r="http://schemas.openxmlformats.org/officeDocument/2006/relationships" xmlns:p="http://schemas.openxmlformats.org/presentationml/2006/main">
+  <p:cSld>
+    <p:spTree>
+      <p:nvGrpSpPr>
+        <p:cNvPr id="1" name=""/>
+        <p:cNvGrpSpPr/>
+        <p:nvPr/>
+      </p:nvGrpSpPr>
+      <p:grpSpPr>
+        <a:xfrm>
+          <a:off x="0" y="0"/>
+          <a:ext cx="0" cy="0"/>
+          <a:chOff x="0" y="0"/>
+          <a:chExt cx="0" cy="0"/>
+        </a:xfrm>
+      </p:grpSpPr>
+      <p:sp>
+        <p:nvSpPr>
+          <p:cNvPr id="3" name="Content Placeholder 2"/>
+          <p:cNvSpPr>
+            <a:spLocks noGrp="1"/>
+          </p:cNvSpPr>
+          <p:nvPr>
+            <p:ph idx="1"/>
+          </p:nvPr>
+        </p:nvSpPr>
+        <p:spPr>
+          <a:xfrm>
             <a:off x="109446" y="261258"/>
             <a:ext cx="6552611" cy="967468"/>
           </a:xfrm>
@@ -12713,7 +13031,7 @@
 </p:sld>
 </file>
 
-<file path=ppt/slides/slide11.xml><?xml version="1.0" encoding="utf-8"?>
+<file path=ppt/slides/slide12.xml><?xml version="1.0" encoding="utf-8"?>
 <p:sld xmlns:a="http://schemas.openxmlformats.org/drawingml/2006/main" xmlns:r="http://schemas.openxmlformats.org/officeDocument/2006/relationships" xmlns:p="http://schemas.openxmlformats.org/presentationml/2006/main">
   <p:cSld>
     <p:spTree>
@@ -13344,6 +13662,215 @@
         </p:nvSpPr>
         <p:spPr>
           <a:xfrm>
+            <a:off x="945469" y="1583281"/>
+            <a:ext cx="9905999" cy="1917565"/>
+          </a:xfrm>
+        </p:spPr>
+        <p:txBody>
+          <a:bodyPr/>
+          <a:lstStyle/>
+          <a:p>
+            <a:pPr marL="0" indent="0">
+              <a:buNone/>
+            </a:pPr>
+            <a:r>
+              <a:rPr lang="bg-BG" dirty="0" smtClean="0"/>
+              <a:t>Основните програмни езици,които са изполвзвани за създаването на</a:t>
+            </a:r>
+          </a:p>
+          <a:p>
+            <a:pPr marL="0" indent="0">
+              <a:buNone/>
+            </a:pPr>
+            <a:r>
+              <a:rPr lang="bg-BG" dirty="0"/>
+              <a:t>п</a:t>
+            </a:r>
+            <a:r>
+              <a:rPr lang="bg-BG" dirty="0" smtClean="0"/>
+              <a:t>роекта са </a:t>
+            </a:r>
+            <a:r>
+              <a:rPr lang="en-US" dirty="0" smtClean="0"/>
+              <a:t>C#, HTML, JavaScript</a:t>
+            </a:r>
+            <a:r>
+              <a:rPr lang="bg-BG" dirty="0" smtClean="0"/>
+              <a:t> и </a:t>
+            </a:r>
+            <a:r>
+              <a:rPr lang="en-US" dirty="0" smtClean="0"/>
+              <a:t>CSS</a:t>
+            </a:r>
+            <a:endParaRPr lang="en-US" dirty="0"/>
+          </a:p>
+        </p:txBody>
+      </p:sp>
+      <p:pic>
+        <p:nvPicPr>
+          <p:cNvPr id="2050" name="Picture 2" descr="C Sharp (programming language) - Wikipedia"/>
+          <p:cNvPicPr>
+            <a:picLocks noChangeAspect="1" noChangeArrowheads="1"/>
+          </p:cNvPicPr>
+          <p:nvPr/>
+        </p:nvPicPr>
+        <p:blipFill>
+          <a:blip r:embed="rId2">
+            <a:extLst>
+              <a:ext uri="{28A0092B-C50C-407E-A947-70E740481C1C}">
+                <a14:useLocalDpi xmlns:a14="http://schemas.microsoft.com/office/drawing/2010/main" val="0"/>
+              </a:ext>
+            </a:extLst>
+          </a:blip>
+          <a:srcRect/>
+          <a:stretch>
+            <a:fillRect/>
+          </a:stretch>
+        </p:blipFill>
+        <p:spPr bwMode="auto">
+          <a:xfrm>
+            <a:off x="-1" y="4702629"/>
+            <a:ext cx="3526972" cy="2155371"/>
+          </a:xfrm>
+          <a:prstGeom prst="rect">
+            <a:avLst/>
+          </a:prstGeom>
+          <a:noFill/>
+          <a:extLst>
+            <a:ext uri="{909E8E84-426E-40DD-AFC4-6F175D3DCCD1}">
+              <a14:hiddenFill xmlns:a14="http://schemas.microsoft.com/office/drawing/2010/main">
+                <a:solidFill>
+                  <a:srgbClr val="FFFFFF"/>
+                </a:solidFill>
+              </a14:hiddenFill>
+            </a:ext>
+          </a:extLst>
+        </p:spPr>
+      </p:pic>
+      <p:pic>
+        <p:nvPicPr>
+          <p:cNvPr id="2052" name="Picture 4" descr="Define HTML and CSS | Cloud2Data"/>
+          <p:cNvPicPr>
+            <a:picLocks noChangeAspect="1" noChangeArrowheads="1"/>
+          </p:cNvPicPr>
+          <p:nvPr/>
+        </p:nvPicPr>
+        <p:blipFill>
+          <a:blip r:embed="rId3">
+            <a:extLst>
+              <a:ext uri="{28A0092B-C50C-407E-A947-70E740481C1C}">
+                <a14:useLocalDpi xmlns:a14="http://schemas.microsoft.com/office/drawing/2010/main" val="0"/>
+              </a:ext>
+            </a:extLst>
+          </a:blip>
+          <a:srcRect/>
+          <a:stretch>
+            <a:fillRect/>
+          </a:stretch>
+        </p:blipFill>
+        <p:spPr bwMode="auto">
+          <a:xfrm>
+            <a:off x="3526971" y="4702629"/>
+            <a:ext cx="5290458" cy="2155371"/>
+          </a:xfrm>
+          <a:prstGeom prst="rect">
+            <a:avLst/>
+          </a:prstGeom>
+          <a:noFill/>
+          <a:extLst>
+            <a:ext uri="{909E8E84-426E-40DD-AFC4-6F175D3DCCD1}">
+              <a14:hiddenFill xmlns:a14="http://schemas.microsoft.com/office/drawing/2010/main">
+                <a:solidFill>
+                  <a:srgbClr val="FFFFFF"/>
+                </a:solidFill>
+              </a14:hiddenFill>
+            </a:ext>
+          </a:extLst>
+        </p:spPr>
+      </p:pic>
+      <p:pic>
+        <p:nvPicPr>
+          <p:cNvPr id="2054" name="Picture 6" descr="Javascript Programming - learnBATTA"/>
+          <p:cNvPicPr>
+            <a:picLocks noChangeAspect="1" noChangeArrowheads="1"/>
+          </p:cNvPicPr>
+          <p:nvPr/>
+        </p:nvPicPr>
+        <p:blipFill>
+          <a:blip r:embed="rId4" cstate="print">
+            <a:extLst>
+              <a:ext uri="{28A0092B-C50C-407E-A947-70E740481C1C}">
+                <a14:useLocalDpi xmlns:a14="http://schemas.microsoft.com/office/drawing/2010/main" val="0"/>
+              </a:ext>
+            </a:extLst>
+          </a:blip>
+          <a:srcRect/>
+          <a:stretch>
+            <a:fillRect/>
+          </a:stretch>
+        </p:blipFill>
+        <p:spPr bwMode="auto">
+          <a:xfrm>
+            <a:off x="8817429" y="4702629"/>
+            <a:ext cx="3374572" cy="2155371"/>
+          </a:xfrm>
+          <a:prstGeom prst="rect">
+            <a:avLst/>
+          </a:prstGeom>
+          <a:noFill/>
+          <a:extLst>
+            <a:ext uri="{909E8E84-426E-40DD-AFC4-6F175D3DCCD1}">
+              <a14:hiddenFill xmlns:a14="http://schemas.microsoft.com/office/drawing/2010/main">
+                <a:solidFill>
+                  <a:srgbClr val="FFFFFF"/>
+                </a:solidFill>
+              </a14:hiddenFill>
+            </a:ext>
+          </a:extLst>
+        </p:spPr>
+      </p:pic>
+    </p:spTree>
+    <p:extLst>
+      <p:ext uri="{BB962C8B-B14F-4D97-AF65-F5344CB8AC3E}">
+        <p14:creationId xmlns:p14="http://schemas.microsoft.com/office/powerpoint/2010/main" val="2852405200"/>
+      </p:ext>
+    </p:extLst>
+  </p:cSld>
+  <p:clrMapOvr>
+    <a:masterClrMapping/>
+  </p:clrMapOvr>
+</p:sld>
+</file>
+
+<file path=ppt/slides/slide5.xml><?xml version="1.0" encoding="utf-8"?>
+<p:sld xmlns:a="http://schemas.openxmlformats.org/drawingml/2006/main" xmlns:r="http://schemas.openxmlformats.org/officeDocument/2006/relationships" xmlns:p="http://schemas.openxmlformats.org/presentationml/2006/main">
+  <p:cSld>
+    <p:spTree>
+      <p:nvGrpSpPr>
+        <p:cNvPr id="1" name=""/>
+        <p:cNvGrpSpPr/>
+        <p:nvPr/>
+      </p:nvGrpSpPr>
+      <p:grpSpPr>
+        <a:xfrm>
+          <a:off x="0" y="0"/>
+          <a:ext cx="0" cy="0"/>
+          <a:chOff x="0" y="0"/>
+          <a:chExt cx="0" cy="0"/>
+        </a:xfrm>
+      </p:grpSpPr>
+      <p:sp>
+        <p:nvSpPr>
+          <p:cNvPr id="3" name="Content Placeholder 2"/>
+          <p:cNvSpPr>
+            <a:spLocks noGrp="1"/>
+          </p:cNvSpPr>
+          <p:nvPr>
+            <p:ph idx="1"/>
+          </p:nvPr>
+        </p:nvSpPr>
+        <p:spPr>
+          <a:xfrm>
             <a:off x="627017" y="378823"/>
             <a:ext cx="10420395" cy="1293223"/>
           </a:xfrm>
@@ -13410,7 +13937,7 @@
 </p:sld>
 </file>
 
-<file path=ppt/slides/slide5.xml><?xml version="1.0" encoding="utf-8"?>
+<file path=ppt/slides/slide6.xml><?xml version="1.0" encoding="utf-8"?>
 <p:sld xmlns:a="http://schemas.openxmlformats.org/drawingml/2006/main" xmlns:r="http://schemas.openxmlformats.org/officeDocument/2006/relationships" xmlns:p="http://schemas.openxmlformats.org/presentationml/2006/main">
   <p:cSld>
     <p:spTree>
@@ -13526,7 +14053,7 @@
 </p:sld>
 </file>
 
-<file path=ppt/slides/slide6.xml><?xml version="1.0" encoding="utf-8"?>
+<file path=ppt/slides/slide7.xml><?xml version="1.0" encoding="utf-8"?>
 <p:sld xmlns:a="http://schemas.openxmlformats.org/drawingml/2006/main" xmlns:r="http://schemas.openxmlformats.org/officeDocument/2006/relationships" xmlns:p="http://schemas.openxmlformats.org/presentationml/2006/main">
   <p:cSld>
     <p:spTree>
@@ -13647,7 +14174,7 @@
 </p:sld>
 </file>
 
-<file path=ppt/slides/slide7.xml><?xml version="1.0" encoding="utf-8"?>
+<file path=ppt/slides/slide8.xml><?xml version="1.0" encoding="utf-8"?>
 <p:sld xmlns:a="http://schemas.openxmlformats.org/drawingml/2006/main" xmlns:r="http://schemas.openxmlformats.org/officeDocument/2006/relationships" xmlns:p="http://schemas.openxmlformats.org/presentationml/2006/main">
   <p:cSld>
     <p:spTree>
@@ -13769,7 +14296,7 @@
 </p:sld>
 </file>
 
-<file path=ppt/slides/slide8.xml><?xml version="1.0" encoding="utf-8"?>
+<file path=ppt/slides/slide9.xml><?xml version="1.0" encoding="utf-8"?>
 <p:sld xmlns:a="http://schemas.openxmlformats.org/drawingml/2006/main" xmlns:r="http://schemas.openxmlformats.org/officeDocument/2006/relationships" xmlns:p="http://schemas.openxmlformats.org/presentationml/2006/main">
   <p:cSld>
     <p:spTree>
@@ -13941,205 +14468,6 @@
     <p:extLst>
       <p:ext uri="{BB962C8B-B14F-4D97-AF65-F5344CB8AC3E}">
         <p14:creationId xmlns:p14="http://schemas.microsoft.com/office/powerpoint/2010/main" val="2680424508"/>
-      </p:ext>
-    </p:extLst>
-  </p:cSld>
-  <p:clrMapOvr>
-    <a:masterClrMapping/>
-  </p:clrMapOvr>
-  <p:timing>
-    <p:tnLst>
-      <p:par>
-        <p:cTn id="1" dur="indefinite" restart="never" nodeType="tmRoot"/>
-      </p:par>
-    </p:tnLst>
-  </p:timing>
-</p:sld>
-</file>
-
-<file path=ppt/slides/slide9.xml><?xml version="1.0" encoding="utf-8"?>
-<p:sld xmlns:a="http://schemas.openxmlformats.org/drawingml/2006/main" xmlns:r="http://schemas.openxmlformats.org/officeDocument/2006/relationships" xmlns:p="http://schemas.openxmlformats.org/presentationml/2006/main">
-  <p:cSld>
-    <p:spTree>
-      <p:nvGrpSpPr>
-        <p:cNvPr id="1" name=""/>
-        <p:cNvGrpSpPr/>
-        <p:nvPr/>
-      </p:nvGrpSpPr>
-      <p:grpSpPr>
-        <a:xfrm>
-          <a:off x="0" y="0"/>
-          <a:ext cx="0" cy="0"/>
-          <a:chOff x="0" y="0"/>
-          <a:chExt cx="0" cy="0"/>
-        </a:xfrm>
-      </p:grpSpPr>
-      <p:sp>
-        <p:nvSpPr>
-          <p:cNvPr id="3" name="Content Placeholder 2"/>
-          <p:cNvSpPr>
-            <a:spLocks noGrp="1"/>
-          </p:cNvSpPr>
-          <p:nvPr>
-            <p:ph idx="1"/>
-          </p:nvPr>
-        </p:nvSpPr>
-        <p:spPr>
-          <a:xfrm>
-            <a:off x="501333" y="446813"/>
-            <a:ext cx="2841534" cy="2296387"/>
-          </a:xfrm>
-        </p:spPr>
-        <p:txBody>
-          <a:bodyPr>
-            <a:normAutofit fontScale="92500"/>
-          </a:bodyPr>
-          <a:lstStyle/>
-          <a:p>
-            <a:pPr marL="0" indent="0">
-              <a:buNone/>
-            </a:pPr>
-            <a:r>
-              <a:rPr lang="bg-BG" dirty="0" smtClean="0"/>
-              <a:t>В папките </a:t>
-            </a:r>
-            <a:r>
-              <a:rPr lang="en-US" dirty="0" smtClean="0"/>
-              <a:t>DTO </a:t>
-            </a:r>
-            <a:r>
-              <a:rPr lang="bg-BG" dirty="0" smtClean="0"/>
-              <a:t>и </a:t>
-            </a:r>
-            <a:r>
-              <a:rPr lang="en-US" dirty="0" smtClean="0"/>
-              <a:t>Models </a:t>
-            </a:r>
-            <a:r>
-              <a:rPr lang="bg-BG" dirty="0" smtClean="0"/>
-              <a:t>се съдържат всички </a:t>
-            </a:r>
-            <a:r>
-              <a:rPr lang="en-US" dirty="0" smtClean="0"/>
-              <a:t>input </a:t>
-            </a:r>
-            <a:r>
-              <a:rPr lang="bg-BG" dirty="0" smtClean="0"/>
-              <a:t>модели,които </a:t>
-            </a:r>
-          </a:p>
-          <a:p>
-            <a:pPr marL="0" indent="0">
-              <a:buNone/>
-            </a:pPr>
-            <a:r>
-              <a:rPr lang="bg-BG" dirty="0"/>
-              <a:t>с</a:t>
-            </a:r>
-            <a:r>
-              <a:rPr lang="bg-BG" dirty="0" smtClean="0"/>
-              <a:t>лужат за попълване</a:t>
-            </a:r>
-            <a:endParaRPr lang="en-US" dirty="0"/>
-          </a:p>
-        </p:txBody>
-      </p:sp>
-      <p:pic>
-        <p:nvPicPr>
-          <p:cNvPr id="4" name="Picture 3"/>
-          <p:cNvPicPr>
-            <a:picLocks noChangeAspect="1"/>
-          </p:cNvPicPr>
-          <p:nvPr/>
-        </p:nvPicPr>
-        <p:blipFill>
-          <a:blip r:embed="rId2"/>
-          <a:stretch>
-            <a:fillRect/>
-          </a:stretch>
-        </p:blipFill>
-        <p:spPr>
-          <a:xfrm>
-            <a:off x="331516" y="3435532"/>
-            <a:ext cx="4253401" cy="2925264"/>
-          </a:xfrm>
-          <a:prstGeom prst="rect">
-            <a:avLst/>
-          </a:prstGeom>
-        </p:spPr>
-      </p:pic>
-      <p:sp>
-        <p:nvSpPr>
-          <p:cNvPr id="5" name="TextBox 4"/>
-          <p:cNvSpPr txBox="1"/>
-          <p:nvPr/>
-        </p:nvSpPr>
-        <p:spPr>
-          <a:xfrm>
-            <a:off x="6923314" y="705394"/>
-            <a:ext cx="4506686" cy="646331"/>
-          </a:xfrm>
-          <a:prstGeom prst="rect">
-            <a:avLst/>
-          </a:prstGeom>
-          <a:noFill/>
-        </p:spPr>
-        <p:txBody>
-          <a:bodyPr wrap="square" rtlCol="0">
-            <a:spAutoFit/>
-          </a:bodyPr>
-          <a:lstStyle/>
-          <a:p>
-            <a:r>
-              <a:rPr lang="bg-BG" dirty="0" smtClean="0"/>
-              <a:t>В папка</a:t>
-            </a:r>
-            <a:r>
-              <a:rPr lang="en-US" dirty="0" smtClean="0"/>
-              <a:t> Helpers </a:t>
-            </a:r>
-            <a:r>
-              <a:rPr lang="bg-BG" dirty="0" smtClean="0"/>
-              <a:t>се съдържат помщните</a:t>
-            </a:r>
-          </a:p>
-          <a:p>
-            <a:r>
-              <a:rPr lang="bg-BG" dirty="0" smtClean="0"/>
-              <a:t>променливи</a:t>
-            </a:r>
-            <a:endParaRPr lang="en-US" dirty="0"/>
-          </a:p>
-        </p:txBody>
-      </p:sp>
-      <p:pic>
-        <p:nvPicPr>
-          <p:cNvPr id="7" name="Picture 6"/>
-          <p:cNvPicPr>
-            <a:picLocks noChangeAspect="1"/>
-          </p:cNvPicPr>
-          <p:nvPr/>
-        </p:nvPicPr>
-        <p:blipFill>
-          <a:blip r:embed="rId3"/>
-          <a:stretch>
-            <a:fillRect/>
-          </a:stretch>
-        </p:blipFill>
-        <p:spPr>
-          <a:xfrm>
-            <a:off x="7321596" y="2330223"/>
-            <a:ext cx="2527799" cy="1105309"/>
-          </a:xfrm>
-          <a:prstGeom prst="rect">
-            <a:avLst/>
-          </a:prstGeom>
-        </p:spPr>
-      </p:pic>
-    </p:spTree>
-    <p:extLst>
-      <p:ext uri="{BB962C8B-B14F-4D97-AF65-F5344CB8AC3E}">
-        <p14:creationId xmlns:p14="http://schemas.microsoft.com/office/powerpoint/2010/main" val="4087550228"/>
       </p:ext>
     </p:extLst>
   </p:cSld>
